--- a/Drone Delivery Mobile App.pptx
+++ b/Drone Delivery Mobile App.pptx
@@ -112,6 +112,22 @@
       </a:defRPr>
     </a:lvl9pPr>
   </p:defaultTextStyle>
+  <p:extLst>
+    <p:ext uri="{EFAFB233-063F-42B5-8137-9DF3F51BA10A}">
+      <p15:sldGuideLst xmlns:p15="http://schemas.microsoft.com/office/powerpoint/2012/main">
+        <p15:guide id="1" orient="horz" pos="2160">
+          <p15:clr>
+            <a:srgbClr val="A4A3A4"/>
+          </p15:clr>
+        </p15:guide>
+        <p15:guide id="2" pos="2880">
+          <p15:clr>
+            <a:srgbClr val="A4A3A4"/>
+          </p15:clr>
+        </p15:guide>
+      </p15:sldGuideLst>
+    </p:ext>
+  </p:extLst>
 </p:presentation>
 </file>
 
@@ -153,10 +169,9 @@
           <a:lstStyle/>
           <a:p>
             <a:r>
-              <a:rPr lang="en-US" smtClean="0"/>
+              <a:rPr lang="en-US"/>
               <a:t>Click to edit Master title style</a:t>
             </a:r>
-            <a:endParaRPr lang="en-US"/>
           </a:p>
         </p:txBody>
       </p:sp>
@@ -272,10 +287,9 @@
           </a:lstStyle>
           <a:p>
             <a:r>
-              <a:rPr lang="en-US" smtClean="0"/>
+              <a:rPr lang="en-US"/>
               <a:t>Click to edit Master subtitle style</a:t>
             </a:r>
-            <a:endParaRPr lang="en-US"/>
           </a:p>
         </p:txBody>
       </p:sp>
@@ -296,7 +310,7 @@
           <a:p>
             <a:fld id="{98F7D283-3DE1-1E4A-ADF8-D91167CE66AD}" type="datetimeFigureOut">
               <a:rPr lang="en-US" smtClean="0"/>
-              <a:t>2/12/17</a:t>
+              <a:t>2/14/2017</a:t>
             </a:fld>
             <a:endParaRPr lang="en-US"/>
           </a:p>
@@ -390,10 +404,9 @@
           <a:lstStyle/>
           <a:p>
             <a:r>
-              <a:rPr lang="en-US" smtClean="0"/>
+              <a:rPr lang="en-US"/>
               <a:t>Click to edit Master title style</a:t>
             </a:r>
-            <a:endParaRPr lang="en-US"/>
           </a:p>
         </p:txBody>
       </p:sp>
@@ -414,38 +427,37 @@
           <a:p>
             <a:pPr lvl="0"/>
             <a:r>
-              <a:rPr lang="en-US" smtClean="0"/>
+              <a:rPr lang="en-US"/>
               <a:t>Click to edit Master text styles</a:t>
             </a:r>
           </a:p>
           <a:p>
             <a:pPr lvl="1"/>
             <a:r>
-              <a:rPr lang="en-US" smtClean="0"/>
+              <a:rPr lang="en-US"/>
               <a:t>Second level</a:t>
             </a:r>
           </a:p>
           <a:p>
             <a:pPr lvl="2"/>
             <a:r>
-              <a:rPr lang="en-US" smtClean="0"/>
+              <a:rPr lang="en-US"/>
               <a:t>Third level</a:t>
             </a:r>
           </a:p>
           <a:p>
             <a:pPr lvl="3"/>
             <a:r>
-              <a:rPr lang="en-US" smtClean="0"/>
+              <a:rPr lang="en-US"/>
               <a:t>Fourth level</a:t>
             </a:r>
           </a:p>
           <a:p>
             <a:pPr lvl="4"/>
             <a:r>
-              <a:rPr lang="en-US" smtClean="0"/>
+              <a:rPr lang="en-US"/>
               <a:t>Fifth level</a:t>
             </a:r>
-            <a:endParaRPr lang="en-US"/>
           </a:p>
         </p:txBody>
       </p:sp>
@@ -466,7 +478,7 @@
           <a:p>
             <a:fld id="{98F7D283-3DE1-1E4A-ADF8-D91167CE66AD}" type="datetimeFigureOut">
               <a:rPr lang="en-US" smtClean="0"/>
-              <a:t>2/12/17</a:t>
+              <a:t>2/14/2017</a:t>
             </a:fld>
             <a:endParaRPr lang="en-US"/>
           </a:p>
@@ -565,10 +577,9 @@
           <a:lstStyle/>
           <a:p>
             <a:r>
-              <a:rPr lang="en-US" smtClean="0"/>
+              <a:rPr lang="en-US"/>
               <a:t>Click to edit Master title style</a:t>
             </a:r>
-            <a:endParaRPr lang="en-US"/>
           </a:p>
         </p:txBody>
       </p:sp>
@@ -594,38 +605,37 @@
           <a:p>
             <a:pPr lvl="0"/>
             <a:r>
-              <a:rPr lang="en-US" smtClean="0"/>
+              <a:rPr lang="en-US"/>
               <a:t>Click to edit Master text styles</a:t>
             </a:r>
           </a:p>
           <a:p>
             <a:pPr lvl="1"/>
             <a:r>
-              <a:rPr lang="en-US" smtClean="0"/>
+              <a:rPr lang="en-US"/>
               <a:t>Second level</a:t>
             </a:r>
           </a:p>
           <a:p>
             <a:pPr lvl="2"/>
             <a:r>
-              <a:rPr lang="en-US" smtClean="0"/>
+              <a:rPr lang="en-US"/>
               <a:t>Third level</a:t>
             </a:r>
           </a:p>
           <a:p>
             <a:pPr lvl="3"/>
             <a:r>
-              <a:rPr lang="en-US" smtClean="0"/>
+              <a:rPr lang="en-US"/>
               <a:t>Fourth level</a:t>
             </a:r>
           </a:p>
           <a:p>
             <a:pPr lvl="4"/>
             <a:r>
-              <a:rPr lang="en-US" smtClean="0"/>
+              <a:rPr lang="en-US"/>
               <a:t>Fifth level</a:t>
             </a:r>
-            <a:endParaRPr lang="en-US"/>
           </a:p>
         </p:txBody>
       </p:sp>
@@ -646,7 +656,7 @@
           <a:p>
             <a:fld id="{98F7D283-3DE1-1E4A-ADF8-D91167CE66AD}" type="datetimeFigureOut">
               <a:rPr lang="en-US" smtClean="0"/>
-              <a:t>2/12/17</a:t>
+              <a:t>2/14/2017</a:t>
             </a:fld>
             <a:endParaRPr lang="en-US"/>
           </a:p>
@@ -740,10 +750,9 @@
           <a:lstStyle/>
           <a:p>
             <a:r>
-              <a:rPr lang="en-US" smtClean="0"/>
+              <a:rPr lang="en-US"/>
               <a:t>Click to edit Master title style</a:t>
             </a:r>
-            <a:endParaRPr lang="en-US"/>
           </a:p>
         </p:txBody>
       </p:sp>
@@ -764,38 +773,37 @@
           <a:p>
             <a:pPr lvl="0"/>
             <a:r>
-              <a:rPr lang="en-US" smtClean="0"/>
+              <a:rPr lang="en-US"/>
               <a:t>Click to edit Master text styles</a:t>
             </a:r>
           </a:p>
           <a:p>
             <a:pPr lvl="1"/>
             <a:r>
-              <a:rPr lang="en-US" smtClean="0"/>
+              <a:rPr lang="en-US"/>
               <a:t>Second level</a:t>
             </a:r>
           </a:p>
           <a:p>
             <a:pPr lvl="2"/>
             <a:r>
-              <a:rPr lang="en-US" smtClean="0"/>
+              <a:rPr lang="en-US"/>
               <a:t>Third level</a:t>
             </a:r>
           </a:p>
           <a:p>
             <a:pPr lvl="3"/>
             <a:r>
-              <a:rPr lang="en-US" smtClean="0"/>
+              <a:rPr lang="en-US"/>
               <a:t>Fourth level</a:t>
             </a:r>
           </a:p>
           <a:p>
             <a:pPr lvl="4"/>
             <a:r>
-              <a:rPr lang="en-US" smtClean="0"/>
+              <a:rPr lang="en-US"/>
               <a:t>Fifth level</a:t>
             </a:r>
-            <a:endParaRPr lang="en-US"/>
           </a:p>
         </p:txBody>
       </p:sp>
@@ -816,7 +824,7 @@
           <a:p>
             <a:fld id="{98F7D283-3DE1-1E4A-ADF8-D91167CE66AD}" type="datetimeFigureOut">
               <a:rPr lang="en-US" smtClean="0"/>
-              <a:t>2/12/17</a:t>
+              <a:t>2/14/2017</a:t>
             </a:fld>
             <a:endParaRPr lang="en-US"/>
           </a:p>
@@ -919,10 +927,9 @@
           </a:lstStyle>
           <a:p>
             <a:r>
-              <a:rPr lang="en-US" smtClean="0"/>
+              <a:rPr lang="en-US"/>
               <a:t>Click to edit Master title style</a:t>
             </a:r>
-            <a:endParaRPr lang="en-US"/>
           </a:p>
         </p:txBody>
       </p:sp>
@@ -1039,7 +1046,7 @@
           <a:p>
             <a:pPr lvl="0"/>
             <a:r>
-              <a:rPr lang="en-US" smtClean="0"/>
+              <a:rPr lang="en-US"/>
               <a:t>Click to edit Master text styles</a:t>
             </a:r>
           </a:p>
@@ -1062,7 +1069,7 @@
           <a:p>
             <a:fld id="{98F7D283-3DE1-1E4A-ADF8-D91167CE66AD}" type="datetimeFigureOut">
               <a:rPr lang="en-US" smtClean="0"/>
-              <a:t>2/12/17</a:t>
+              <a:t>2/14/2017</a:t>
             </a:fld>
             <a:endParaRPr lang="en-US"/>
           </a:p>
@@ -1156,10 +1163,9 @@
           <a:lstStyle/>
           <a:p>
             <a:r>
-              <a:rPr lang="en-US" smtClean="0"/>
+              <a:rPr lang="en-US"/>
               <a:t>Click to edit Master title style</a:t>
             </a:r>
-            <a:endParaRPr lang="en-US"/>
           </a:p>
         </p:txBody>
       </p:sp>
@@ -1213,38 +1219,37 @@
           <a:p>
             <a:pPr lvl="0"/>
             <a:r>
-              <a:rPr lang="en-US" smtClean="0"/>
+              <a:rPr lang="en-US"/>
               <a:t>Click to edit Master text styles</a:t>
             </a:r>
           </a:p>
           <a:p>
             <a:pPr lvl="1"/>
             <a:r>
-              <a:rPr lang="en-US" smtClean="0"/>
+              <a:rPr lang="en-US"/>
               <a:t>Second level</a:t>
             </a:r>
           </a:p>
           <a:p>
             <a:pPr lvl="2"/>
             <a:r>
-              <a:rPr lang="en-US" smtClean="0"/>
+              <a:rPr lang="en-US"/>
               <a:t>Third level</a:t>
             </a:r>
           </a:p>
           <a:p>
             <a:pPr lvl="3"/>
             <a:r>
-              <a:rPr lang="en-US" smtClean="0"/>
+              <a:rPr lang="en-US"/>
               <a:t>Fourth level</a:t>
             </a:r>
           </a:p>
           <a:p>
             <a:pPr lvl="4"/>
             <a:r>
-              <a:rPr lang="en-US" smtClean="0"/>
+              <a:rPr lang="en-US"/>
               <a:t>Fifth level</a:t>
             </a:r>
-            <a:endParaRPr lang="en-US"/>
           </a:p>
         </p:txBody>
       </p:sp>
@@ -1298,38 +1303,37 @@
           <a:p>
             <a:pPr lvl="0"/>
             <a:r>
-              <a:rPr lang="en-US" smtClean="0"/>
+              <a:rPr lang="en-US"/>
               <a:t>Click to edit Master text styles</a:t>
             </a:r>
           </a:p>
           <a:p>
             <a:pPr lvl="1"/>
             <a:r>
-              <a:rPr lang="en-US" smtClean="0"/>
+              <a:rPr lang="en-US"/>
               <a:t>Second level</a:t>
             </a:r>
           </a:p>
           <a:p>
             <a:pPr lvl="2"/>
             <a:r>
-              <a:rPr lang="en-US" smtClean="0"/>
+              <a:rPr lang="en-US"/>
               <a:t>Third level</a:t>
             </a:r>
           </a:p>
           <a:p>
             <a:pPr lvl="3"/>
             <a:r>
-              <a:rPr lang="en-US" smtClean="0"/>
+              <a:rPr lang="en-US"/>
               <a:t>Fourth level</a:t>
             </a:r>
           </a:p>
           <a:p>
             <a:pPr lvl="4"/>
             <a:r>
-              <a:rPr lang="en-US" smtClean="0"/>
+              <a:rPr lang="en-US"/>
               <a:t>Fifth level</a:t>
             </a:r>
-            <a:endParaRPr lang="en-US"/>
           </a:p>
         </p:txBody>
       </p:sp>
@@ -1350,7 +1354,7 @@
           <a:p>
             <a:fld id="{98F7D283-3DE1-1E4A-ADF8-D91167CE66AD}" type="datetimeFigureOut">
               <a:rPr lang="en-US" smtClean="0"/>
-              <a:t>2/12/17</a:t>
+              <a:t>2/14/2017</a:t>
             </a:fld>
             <a:endParaRPr lang="en-US"/>
           </a:p>
@@ -1448,10 +1452,9 @@
           </a:lstStyle>
           <a:p>
             <a:r>
-              <a:rPr lang="en-US" smtClean="0"/>
+              <a:rPr lang="en-US"/>
               <a:t>Click to edit Master title style</a:t>
             </a:r>
-            <a:endParaRPr lang="en-US"/>
           </a:p>
         </p:txBody>
       </p:sp>
@@ -1514,7 +1517,7 @@
           <a:p>
             <a:pPr lvl="0"/>
             <a:r>
-              <a:rPr lang="en-US" smtClean="0"/>
+              <a:rPr lang="en-US"/>
               <a:t>Click to edit Master text styles</a:t>
             </a:r>
           </a:p>
@@ -1570,38 +1573,37 @@
           <a:p>
             <a:pPr lvl="0"/>
             <a:r>
-              <a:rPr lang="en-US" smtClean="0"/>
+              <a:rPr lang="en-US"/>
               <a:t>Click to edit Master text styles</a:t>
             </a:r>
           </a:p>
           <a:p>
             <a:pPr lvl="1"/>
             <a:r>
-              <a:rPr lang="en-US" smtClean="0"/>
+              <a:rPr lang="en-US"/>
               <a:t>Second level</a:t>
             </a:r>
           </a:p>
           <a:p>
             <a:pPr lvl="2"/>
             <a:r>
-              <a:rPr lang="en-US" smtClean="0"/>
+              <a:rPr lang="en-US"/>
               <a:t>Third level</a:t>
             </a:r>
           </a:p>
           <a:p>
             <a:pPr lvl="3"/>
             <a:r>
-              <a:rPr lang="en-US" smtClean="0"/>
+              <a:rPr lang="en-US"/>
               <a:t>Fourth level</a:t>
             </a:r>
           </a:p>
           <a:p>
             <a:pPr lvl="4"/>
             <a:r>
-              <a:rPr lang="en-US" smtClean="0"/>
+              <a:rPr lang="en-US"/>
               <a:t>Fifth level</a:t>
             </a:r>
-            <a:endParaRPr lang="en-US"/>
           </a:p>
         </p:txBody>
       </p:sp>
@@ -1664,7 +1666,7 @@
           <a:p>
             <a:pPr lvl="0"/>
             <a:r>
-              <a:rPr lang="en-US" smtClean="0"/>
+              <a:rPr lang="en-US"/>
               <a:t>Click to edit Master text styles</a:t>
             </a:r>
           </a:p>
@@ -1720,38 +1722,37 @@
           <a:p>
             <a:pPr lvl="0"/>
             <a:r>
-              <a:rPr lang="en-US" smtClean="0"/>
+              <a:rPr lang="en-US"/>
               <a:t>Click to edit Master text styles</a:t>
             </a:r>
           </a:p>
           <a:p>
             <a:pPr lvl="1"/>
             <a:r>
-              <a:rPr lang="en-US" smtClean="0"/>
+              <a:rPr lang="en-US"/>
               <a:t>Second level</a:t>
             </a:r>
           </a:p>
           <a:p>
             <a:pPr lvl="2"/>
             <a:r>
-              <a:rPr lang="en-US" smtClean="0"/>
+              <a:rPr lang="en-US"/>
               <a:t>Third level</a:t>
             </a:r>
           </a:p>
           <a:p>
             <a:pPr lvl="3"/>
             <a:r>
-              <a:rPr lang="en-US" smtClean="0"/>
+              <a:rPr lang="en-US"/>
               <a:t>Fourth level</a:t>
             </a:r>
           </a:p>
           <a:p>
             <a:pPr lvl="4"/>
             <a:r>
-              <a:rPr lang="en-US" smtClean="0"/>
+              <a:rPr lang="en-US"/>
               <a:t>Fifth level</a:t>
             </a:r>
-            <a:endParaRPr lang="en-US"/>
           </a:p>
         </p:txBody>
       </p:sp>
@@ -1772,7 +1773,7 @@
           <a:p>
             <a:fld id="{98F7D283-3DE1-1E4A-ADF8-D91167CE66AD}" type="datetimeFigureOut">
               <a:rPr lang="en-US" smtClean="0"/>
-              <a:t>2/12/17</a:t>
+              <a:t>2/14/2017</a:t>
             </a:fld>
             <a:endParaRPr lang="en-US"/>
           </a:p>
@@ -1866,10 +1867,9 @@
           <a:lstStyle/>
           <a:p>
             <a:r>
-              <a:rPr lang="en-US" smtClean="0"/>
+              <a:rPr lang="en-US"/>
               <a:t>Click to edit Master title style</a:t>
             </a:r>
-            <a:endParaRPr lang="en-US"/>
           </a:p>
         </p:txBody>
       </p:sp>
@@ -1890,7 +1890,7 @@
           <a:p>
             <a:fld id="{98F7D283-3DE1-1E4A-ADF8-D91167CE66AD}" type="datetimeFigureOut">
               <a:rPr lang="en-US" smtClean="0"/>
-              <a:t>2/12/17</a:t>
+              <a:t>2/14/2017</a:t>
             </a:fld>
             <a:endParaRPr lang="en-US"/>
           </a:p>
@@ -1985,7 +1985,7 @@
           <a:p>
             <a:fld id="{98F7D283-3DE1-1E4A-ADF8-D91167CE66AD}" type="datetimeFigureOut">
               <a:rPr lang="en-US" smtClean="0"/>
-              <a:t>2/12/17</a:t>
+              <a:t>2/14/2017</a:t>
             </a:fld>
             <a:endParaRPr lang="en-US"/>
           </a:p>
@@ -2088,10 +2088,9 @@
           </a:lstStyle>
           <a:p>
             <a:r>
-              <a:rPr lang="en-US" smtClean="0"/>
+              <a:rPr lang="en-US"/>
               <a:t>Click to edit Master title style</a:t>
             </a:r>
-            <a:endParaRPr lang="en-US"/>
           </a:p>
         </p:txBody>
       </p:sp>
@@ -2145,38 +2144,37 @@
           <a:p>
             <a:pPr lvl="0"/>
             <a:r>
-              <a:rPr lang="en-US" smtClean="0"/>
+              <a:rPr lang="en-US"/>
               <a:t>Click to edit Master text styles</a:t>
             </a:r>
           </a:p>
           <a:p>
             <a:pPr lvl="1"/>
             <a:r>
-              <a:rPr lang="en-US" smtClean="0"/>
+              <a:rPr lang="en-US"/>
               <a:t>Second level</a:t>
             </a:r>
           </a:p>
           <a:p>
             <a:pPr lvl="2"/>
             <a:r>
-              <a:rPr lang="en-US" smtClean="0"/>
+              <a:rPr lang="en-US"/>
               <a:t>Third level</a:t>
             </a:r>
           </a:p>
           <a:p>
             <a:pPr lvl="3"/>
             <a:r>
-              <a:rPr lang="en-US" smtClean="0"/>
+              <a:rPr lang="en-US"/>
               <a:t>Fourth level</a:t>
             </a:r>
           </a:p>
           <a:p>
             <a:pPr lvl="4"/>
             <a:r>
-              <a:rPr lang="en-US" smtClean="0"/>
+              <a:rPr lang="en-US"/>
               <a:t>Fifth level</a:t>
             </a:r>
-            <a:endParaRPr lang="en-US"/>
           </a:p>
         </p:txBody>
       </p:sp>
@@ -2239,7 +2237,7 @@
           <a:p>
             <a:pPr lvl="0"/>
             <a:r>
-              <a:rPr lang="en-US" smtClean="0"/>
+              <a:rPr lang="en-US"/>
               <a:t>Click to edit Master text styles</a:t>
             </a:r>
           </a:p>
@@ -2262,7 +2260,7 @@
           <a:p>
             <a:fld id="{98F7D283-3DE1-1E4A-ADF8-D91167CE66AD}" type="datetimeFigureOut">
               <a:rPr lang="en-US" smtClean="0"/>
-              <a:t>2/12/17</a:t>
+              <a:t>2/14/2017</a:t>
             </a:fld>
             <a:endParaRPr lang="en-US"/>
           </a:p>
@@ -2365,10 +2363,9 @@
           </a:lstStyle>
           <a:p>
             <a:r>
-              <a:rPr lang="en-US" smtClean="0"/>
+              <a:rPr lang="en-US"/>
               <a:t>Click to edit Master title style</a:t>
             </a:r>
-            <a:endParaRPr lang="en-US"/>
           </a:p>
         </p:txBody>
       </p:sp>
@@ -2492,7 +2489,7 @@
           <a:p>
             <a:pPr lvl="0"/>
             <a:r>
-              <a:rPr lang="en-US" smtClean="0"/>
+              <a:rPr lang="en-US"/>
               <a:t>Click to edit Master text styles</a:t>
             </a:r>
           </a:p>
@@ -2515,7 +2512,7 @@
           <a:p>
             <a:fld id="{98F7D283-3DE1-1E4A-ADF8-D91167CE66AD}" type="datetimeFigureOut">
               <a:rPr lang="en-US" smtClean="0"/>
-              <a:t>2/12/17</a:t>
+              <a:t>2/14/2017</a:t>
             </a:fld>
             <a:endParaRPr lang="en-US"/>
           </a:p>
@@ -2624,10 +2621,9 @@
           <a:lstStyle/>
           <a:p>
             <a:r>
-              <a:rPr lang="en-US" smtClean="0"/>
+              <a:rPr lang="en-US"/>
               <a:t>Click to edit Master title style</a:t>
             </a:r>
-            <a:endParaRPr lang="en-US"/>
           </a:p>
         </p:txBody>
       </p:sp>
@@ -2658,38 +2654,37 @@
           <a:p>
             <a:pPr lvl="0"/>
             <a:r>
-              <a:rPr lang="en-US" smtClean="0"/>
+              <a:rPr lang="en-US"/>
               <a:t>Click to edit Master text styles</a:t>
             </a:r>
           </a:p>
           <a:p>
             <a:pPr lvl="1"/>
             <a:r>
-              <a:rPr lang="en-US" smtClean="0"/>
+              <a:rPr lang="en-US"/>
               <a:t>Second level</a:t>
             </a:r>
           </a:p>
           <a:p>
             <a:pPr lvl="2"/>
             <a:r>
-              <a:rPr lang="en-US" smtClean="0"/>
+              <a:rPr lang="en-US"/>
               <a:t>Third level</a:t>
             </a:r>
           </a:p>
           <a:p>
             <a:pPr lvl="3"/>
             <a:r>
-              <a:rPr lang="en-US" smtClean="0"/>
+              <a:rPr lang="en-US"/>
               <a:t>Fourth level</a:t>
             </a:r>
           </a:p>
           <a:p>
             <a:pPr lvl="4"/>
             <a:r>
-              <a:rPr lang="en-US" smtClean="0"/>
+              <a:rPr lang="en-US"/>
               <a:t>Fifth level</a:t>
             </a:r>
-            <a:endParaRPr lang="en-US"/>
           </a:p>
         </p:txBody>
       </p:sp>
@@ -2728,7 +2723,7 @@
           <a:p>
             <a:fld id="{98F7D283-3DE1-1E4A-ADF8-D91167CE66AD}" type="datetimeFigureOut">
               <a:rPr lang="en-US" smtClean="0"/>
-              <a:t>2/12/17</a:t>
+              <a:t>2/14/2017</a:t>
             </a:fld>
             <a:endParaRPr lang="en-US"/>
           </a:p>
@@ -3365,10 +3360,9 @@
             <a:lstStyle/>
             <a:p>
               <a:r>
-                <a:rPr lang="en-US" b="1" dirty="0" smtClean="0"/>
+                <a:rPr lang="en-US" b="1" dirty="0"/>
                 <a:t>User</a:t>
               </a:r>
-              <a:endParaRPr lang="en-US" b="1" dirty="0"/>
             </a:p>
           </p:txBody>
         </p:sp>
@@ -3395,10 +3389,9 @@
             <a:lstStyle/>
             <a:p>
               <a:r>
-                <a:rPr lang="en-US" b="1" dirty="0" smtClean="0"/>
+                <a:rPr lang="en-US" b="1" dirty="0"/>
                 <a:t>Automated Operator</a:t>
               </a:r>
-              <a:endParaRPr lang="en-US" b="1" dirty="0"/>
             </a:p>
           </p:txBody>
         </p:sp>
@@ -3425,10 +3418,9 @@
             <a:lstStyle/>
             <a:p>
               <a:r>
-                <a:rPr lang="en-US" b="1" dirty="0" smtClean="0"/>
+                <a:rPr lang="en-US" b="1" dirty="0"/>
                 <a:t>Drone</a:t>
               </a:r>
-              <a:endParaRPr lang="en-US" b="1" dirty="0"/>
             </a:p>
           </p:txBody>
         </p:sp>
@@ -3456,10 +3448,9 @@
           <a:lstStyle/>
           <a:p>
             <a:r>
-              <a:rPr lang="en-US" sz="3200" dirty="0" smtClean="0"/>
+              <a:rPr lang="en-US" sz="3200" dirty="0"/>
               <a:t>The Drone Delivery Cycle</a:t>
             </a:r>
-            <a:endParaRPr lang="en-US" sz="3200" dirty="0"/>
           </a:p>
         </p:txBody>
       </p:sp>
@@ -3486,10 +3477,9 @@
           <a:lstStyle/>
           <a:p>
             <a:r>
-              <a:rPr lang="en-US" sz="1200" dirty="0" smtClean="0"/>
+              <a:rPr lang="en-US" sz="1200" dirty="0"/>
               <a:t>Orders a Taco</a:t>
             </a:r>
-            <a:endParaRPr lang="en-US" sz="1200" dirty="0"/>
           </a:p>
         </p:txBody>
       </p:sp>
@@ -3516,10 +3506,9 @@
           <a:lstStyle/>
           <a:p>
             <a:r>
-              <a:rPr lang="en-US" sz="1200" dirty="0" smtClean="0"/>
+              <a:rPr lang="en-US" sz="1200" dirty="0"/>
               <a:t>Sends Drone with correct taco</a:t>
             </a:r>
-            <a:endParaRPr lang="en-US" sz="1200" dirty="0"/>
           </a:p>
         </p:txBody>
       </p:sp>
@@ -3546,10 +3535,9 @@
           <a:lstStyle/>
           <a:p>
             <a:r>
-              <a:rPr lang="en-US" sz="1200" dirty="0" smtClean="0"/>
+              <a:rPr lang="en-US" sz="1200" dirty="0"/>
               <a:t>Delivers Taco to User</a:t>
             </a:r>
-            <a:endParaRPr lang="en-US" sz="1200" dirty="0"/>
           </a:p>
         </p:txBody>
       </p:sp>
@@ -3929,10 +3917,9 @@
           <a:lstStyle/>
           <a:p>
             <a:r>
-              <a:rPr lang="en-US" dirty="0" smtClean="0"/>
+              <a:rPr lang="en-US" dirty="0"/>
               <a:t>TACO</a:t>
             </a:r>
-            <a:endParaRPr lang="en-US" dirty="0"/>
           </a:p>
         </p:txBody>
       </p:sp>
@@ -3959,10 +3946,9 @@
           <a:lstStyle/>
           <a:p>
             <a:r>
-              <a:rPr lang="en-US" dirty="0" smtClean="0"/>
+              <a:rPr lang="en-US" dirty="0"/>
               <a:t>DRONE</a:t>
             </a:r>
-            <a:endParaRPr lang="en-US" dirty="0"/>
           </a:p>
         </p:txBody>
       </p:sp>
@@ -4089,7 +4075,7 @@
           <a:lstStyle/>
           <a:p>
             <a:r>
-              <a:rPr lang="en-US" sz="1100" dirty="0" smtClean="0"/>
+              <a:rPr lang="en-US" sz="1100" dirty="0"/>
               <a:t>Join </a:t>
             </a:r>
             <a:r>
@@ -4101,21 +4087,10 @@
                   </a:schemeClr>
                 </a:solidFill>
               </a:rPr>
-              <a:t>T</a:t>
-            </a:r>
-            <a:r>
-              <a:rPr lang="en-US" sz="1100" dirty="0" err="1" smtClean="0">
-                <a:solidFill>
-                  <a:schemeClr val="tx1">
-                    <a:lumMod val="50000"/>
-                    <a:lumOff val="50000"/>
-                  </a:schemeClr>
-                </a:solidFill>
-              </a:rPr>
-              <a:t>aco</a:t>
-            </a:r>
-            <a:r>
-              <a:rPr lang="en-US" sz="1100" dirty="0" err="1" smtClean="0">
+              <a:t>Taco</a:t>
+            </a:r>
+            <a:r>
+              <a:rPr lang="en-US" sz="1100" dirty="0" err="1">
                 <a:solidFill>
                   <a:schemeClr val="accent1">
                     <a:lumMod val="75000"/>
@@ -4125,11 +4100,11 @@
               <a:t>Drone</a:t>
             </a:r>
             <a:r>
-              <a:rPr lang="en-US" sz="1100" dirty="0" smtClean="0"/>
+              <a:rPr lang="en-US" sz="1100" dirty="0"/>
               <a:t> the first taco drone delivery service at SXSW</a:t>
             </a:r>
             <a:r>
-              <a:rPr lang="is-IS" sz="1100" dirty="0" smtClean="0"/>
+              <a:rPr lang="is-IS" sz="1100" dirty="0"/>
               <a:t>…</a:t>
             </a:r>
             <a:endParaRPr lang="en-US" sz="1100" dirty="0"/>
@@ -4160,18 +4135,13 @@
           <a:p>
             <a:pPr algn="ctr"/>
             <a:r>
-              <a:rPr lang="en-US" sz="1100" u="sng" dirty="0" smtClean="0">
+              <a:rPr lang="en-US" sz="1100" u="sng" dirty="0">
                 <a:solidFill>
                   <a:srgbClr val="376092"/>
                 </a:solidFill>
               </a:rPr>
               <a:t>Terms and Conditions</a:t>
             </a:r>
-            <a:endParaRPr lang="en-US" sz="1100" u="sng" dirty="0">
-              <a:solidFill>
-                <a:srgbClr val="376092"/>
-              </a:solidFill>
-            </a:endParaRPr>
           </a:p>
         </p:txBody>
       </p:sp>
@@ -4199,6 +4169,94 @@
           </a:prstGeom>
         </p:spPr>
       </p:pic>
+      <p:sp>
+        <p:nvSpPr>
+          <p:cNvPr id="4" name="TextBox 3"/>
+          <p:cNvSpPr txBox="1"/>
+          <p:nvPr/>
+        </p:nvSpPr>
+        <p:spPr>
+          <a:xfrm>
+            <a:off x="326571" y="615820"/>
+            <a:ext cx="2211356" cy="646331"/>
+          </a:xfrm>
+          <a:prstGeom prst="rect">
+            <a:avLst/>
+          </a:prstGeom>
+          <a:noFill/>
+        </p:spPr>
+        <p:txBody>
+          <a:bodyPr wrap="square" rtlCol="0">
+            <a:spAutoFit/>
+          </a:bodyPr>
+          <a:lstStyle/>
+          <a:p>
+            <a:r>
+              <a:rPr lang="en-US" dirty="0"/>
+              <a:t>Databases:</a:t>
+            </a:r>
+          </a:p>
+          <a:p>
+            <a:pPr marL="285750" indent="-285750">
+              <a:buFont typeface="Arial" panose="020B0604020202020204" pitchFamily="34" charset="0"/>
+              <a:buChar char="•"/>
+            </a:pPr>
+            <a:r>
+              <a:rPr lang="en-US" dirty="0"/>
+              <a:t>User</a:t>
+            </a:r>
+          </a:p>
+        </p:txBody>
+      </p:sp>
+      <p:sp>
+        <p:nvSpPr>
+          <p:cNvPr id="5" name="TextBox 4"/>
+          <p:cNvSpPr txBox="1"/>
+          <p:nvPr/>
+        </p:nvSpPr>
+        <p:spPr>
+          <a:xfrm>
+            <a:off x="6288833" y="615820"/>
+            <a:ext cx="2491273" cy="923330"/>
+          </a:xfrm>
+          <a:prstGeom prst="rect">
+            <a:avLst/>
+          </a:prstGeom>
+          <a:noFill/>
+        </p:spPr>
+        <p:txBody>
+          <a:bodyPr wrap="square" rtlCol="0">
+            <a:spAutoFit/>
+          </a:bodyPr>
+          <a:lstStyle/>
+          <a:p>
+            <a:r>
+              <a:rPr lang="en-US" dirty="0"/>
+              <a:t>User actions:</a:t>
+            </a:r>
+          </a:p>
+          <a:p>
+            <a:pPr marL="285750" indent="-285750">
+              <a:buFont typeface="Arial" panose="020B0604020202020204" pitchFamily="34" charset="0"/>
+              <a:buChar char="•"/>
+            </a:pPr>
+            <a:r>
+              <a:rPr lang="en-US" dirty="0"/>
+              <a:t>Log in</a:t>
+            </a:r>
+          </a:p>
+          <a:p>
+            <a:pPr marL="285750" indent="-285750">
+              <a:buFont typeface="Arial" panose="020B0604020202020204" pitchFamily="34" charset="0"/>
+              <a:buChar char="•"/>
+            </a:pPr>
+            <a:r>
+              <a:rPr lang="en-US" dirty="0"/>
+              <a:t>View TAC</a:t>
+            </a:r>
+          </a:p>
+        </p:txBody>
+      </p:sp>
     </p:spTree>
     <p:extLst>
       <p:ext uri="{BB962C8B-B14F-4D97-AF65-F5344CB8AC3E}">
@@ -4498,10 +4556,9 @@
           <a:lstStyle/>
           <a:p>
             <a:r>
-              <a:rPr lang="en-US" dirty="0" smtClean="0"/>
+              <a:rPr lang="en-US" dirty="0"/>
               <a:t>TACO</a:t>
             </a:r>
-            <a:endParaRPr lang="en-US" dirty="0"/>
           </a:p>
         </p:txBody>
       </p:sp>
@@ -4528,10 +4585,9 @@
           <a:lstStyle/>
           <a:p>
             <a:r>
-              <a:rPr lang="en-US" dirty="0" smtClean="0"/>
+              <a:rPr lang="en-US" dirty="0"/>
               <a:t>DRONE</a:t>
             </a:r>
-            <a:endParaRPr lang="en-US" dirty="0"/>
           </a:p>
         </p:txBody>
       </p:sp>
@@ -4635,18 +4691,13 @@
           <a:p>
             <a:pPr algn="ctr"/>
             <a:r>
-              <a:rPr lang="en-US" sz="1100" u="sng" dirty="0" smtClean="0">
+              <a:rPr lang="en-US" sz="1100" u="sng" dirty="0">
                 <a:solidFill>
                   <a:srgbClr val="376092"/>
                 </a:solidFill>
               </a:rPr>
               <a:t>Back</a:t>
             </a:r>
-            <a:endParaRPr lang="en-US" sz="1100" u="sng" dirty="0">
-              <a:solidFill>
-                <a:srgbClr val="376092"/>
-              </a:solidFill>
-            </a:endParaRPr>
           </a:p>
         </p:txBody>
       </p:sp>
@@ -4673,21 +4724,16 @@
           <a:p>
             <a:r>
               <a:rPr lang="en-US" sz="1100" dirty="0"/>
-              <a:t> </a:t>
-            </a:r>
-            <a:r>
-              <a:rPr lang="en-US" sz="1100" dirty="0" smtClean="0"/>
-              <a:t>       Whilst we will use our reasonable </a:t>
-            </a:r>
-            <a:r>
-              <a:rPr lang="en-US" sz="1100" dirty="0" err="1" smtClean="0"/>
+              <a:t>        Whilst we will use our reasonable </a:t>
+            </a:r>
+            <a:r>
+              <a:rPr lang="en-US" sz="1100" dirty="0" err="1"/>
               <a:t>endeavours</a:t>
             </a:r>
             <a:r>
-              <a:rPr lang="en-US" sz="1100" dirty="0" smtClean="0"/>
+              <a:rPr lang="en-US" sz="1100" dirty="0"/>
               <a:t> to supply the services, we shall not be responsible for any failure to provide services or any unavailability. We make no warranty against a failure to deliver a taco, a defect or problems which may occur. We will not be responsible for any loss or damage whatsoever caused resulting from a failure to provide you a taco.</a:t>
             </a:r>
-            <a:endParaRPr lang="en-US" sz="1100" dirty="0"/>
           </a:p>
         </p:txBody>
       </p:sp>
@@ -4714,10 +4760,9 @@
           <a:lstStyle/>
           <a:p>
             <a:r>
-              <a:rPr lang="en-US" dirty="0" smtClean="0"/>
+              <a:rPr lang="en-US" dirty="0"/>
               <a:t>Terms and Conditions</a:t>
             </a:r>
-            <a:endParaRPr lang="en-US" dirty="0"/>
           </a:p>
         </p:txBody>
       </p:sp>
@@ -4744,10 +4789,9 @@
           <a:lstStyle/>
           <a:p>
             <a:r>
-              <a:rPr lang="en-US" sz="1400" u="sng" dirty="0" smtClean="0"/>
+              <a:rPr lang="en-US" sz="1400" u="sng" dirty="0"/>
               <a:t>Supply of Services</a:t>
             </a:r>
-            <a:endParaRPr lang="en-US" sz="1400" u="sng" dirty="0"/>
           </a:p>
         </p:txBody>
       </p:sp>
@@ -4775,6 +4819,84 @@
           </a:prstGeom>
         </p:spPr>
       </p:pic>
+      <p:sp>
+        <p:nvSpPr>
+          <p:cNvPr id="24" name="TextBox 23"/>
+          <p:cNvSpPr txBox="1"/>
+          <p:nvPr/>
+        </p:nvSpPr>
+        <p:spPr>
+          <a:xfrm>
+            <a:off x="6186195" y="719583"/>
+            <a:ext cx="2211356" cy="646331"/>
+          </a:xfrm>
+          <a:prstGeom prst="rect">
+            <a:avLst/>
+          </a:prstGeom>
+          <a:noFill/>
+        </p:spPr>
+        <p:txBody>
+          <a:bodyPr wrap="square" rtlCol="0">
+            <a:spAutoFit/>
+          </a:bodyPr>
+          <a:lstStyle/>
+          <a:p>
+            <a:r>
+              <a:rPr lang="en-US" dirty="0"/>
+              <a:t>User Actions:</a:t>
+            </a:r>
+          </a:p>
+          <a:p>
+            <a:pPr marL="285750" indent="-285750">
+              <a:buFont typeface="Arial" panose="020B0604020202020204" pitchFamily="34" charset="0"/>
+              <a:buChar char="•"/>
+            </a:pPr>
+            <a:r>
+              <a:rPr lang="en-US" dirty="0"/>
+              <a:t>Go back</a:t>
+            </a:r>
+          </a:p>
+        </p:txBody>
+      </p:sp>
+      <p:sp>
+        <p:nvSpPr>
+          <p:cNvPr id="25" name="TextBox 24"/>
+          <p:cNvSpPr txBox="1"/>
+          <p:nvPr/>
+        </p:nvSpPr>
+        <p:spPr>
+          <a:xfrm>
+            <a:off x="391886" y="824889"/>
+            <a:ext cx="2155371" cy="646331"/>
+          </a:xfrm>
+          <a:prstGeom prst="rect">
+            <a:avLst/>
+          </a:prstGeom>
+          <a:noFill/>
+        </p:spPr>
+        <p:txBody>
+          <a:bodyPr wrap="square" rtlCol="0">
+            <a:spAutoFit/>
+          </a:bodyPr>
+          <a:lstStyle/>
+          <a:p>
+            <a:r>
+              <a:rPr lang="en-US" dirty="0"/>
+              <a:t>Databases:</a:t>
+            </a:r>
+          </a:p>
+          <a:p>
+            <a:pPr marL="285750" indent="-285750">
+              <a:buFont typeface="Arial" panose="020B0604020202020204" pitchFamily="34" charset="0"/>
+              <a:buChar char="•"/>
+            </a:pPr>
+            <a:r>
+              <a:rPr lang="en-US" dirty="0"/>
+              <a:t>?</a:t>
+            </a:r>
+          </a:p>
+        </p:txBody>
+      </p:sp>
     </p:spTree>
     <p:extLst>
       <p:ext uri="{BB962C8B-B14F-4D97-AF65-F5344CB8AC3E}">
@@ -5097,10 +5219,9 @@
           <a:lstStyle/>
           <a:p>
             <a:r>
-              <a:rPr lang="en-US" dirty="0" smtClean="0"/>
+              <a:rPr lang="en-US" dirty="0"/>
               <a:t>TACO</a:t>
             </a:r>
-            <a:endParaRPr lang="en-US" dirty="0"/>
           </a:p>
         </p:txBody>
       </p:sp>
@@ -5127,10 +5248,9 @@
           <a:lstStyle/>
           <a:p>
             <a:r>
-              <a:rPr lang="en-US" dirty="0" smtClean="0"/>
+              <a:rPr lang="en-US" dirty="0"/>
               <a:t>DRONE</a:t>
             </a:r>
-            <a:endParaRPr lang="en-US" dirty="0"/>
           </a:p>
         </p:txBody>
       </p:sp>
@@ -5350,11 +5470,11 @@
           <a:p>
             <a:pPr algn="ctr"/>
             <a:r>
-              <a:rPr lang="en-US" sz="2400" dirty="0" smtClean="0"/>
+              <a:rPr lang="en-US" sz="2400" dirty="0"/>
               <a:t>OUT </a:t>
             </a:r>
             <a:r>
-              <a:rPr lang="en-US" sz="2400" dirty="0" smtClean="0">
+              <a:rPr lang="en-US" sz="2400" dirty="0">
                 <a:solidFill>
                   <a:schemeClr val="bg1">
                     <a:lumMod val="65000"/>
@@ -5364,10 +5484,9 @@
               <a:t>OF</a:t>
             </a:r>
             <a:r>
-              <a:rPr lang="en-US" sz="2400" dirty="0" smtClean="0"/>
+              <a:rPr lang="en-US" sz="2400" dirty="0"/>
               <a:t> RANGE</a:t>
             </a:r>
-            <a:endParaRPr lang="en-US" sz="2400" dirty="0"/>
           </a:p>
         </p:txBody>
       </p:sp>
@@ -5418,6 +5537,114 @@
           </a:prstGeom>
         </p:spPr>
       </p:pic>
+      <p:sp>
+        <p:nvSpPr>
+          <p:cNvPr id="6" name="TextBox 5"/>
+          <p:cNvSpPr txBox="1"/>
+          <p:nvPr/>
+        </p:nvSpPr>
+        <p:spPr>
+          <a:xfrm>
+            <a:off x="391886" y="824889"/>
+            <a:ext cx="2155371" cy="1477328"/>
+          </a:xfrm>
+          <a:prstGeom prst="rect">
+            <a:avLst/>
+          </a:prstGeom>
+          <a:noFill/>
+        </p:spPr>
+        <p:txBody>
+          <a:bodyPr wrap="square" rtlCol="0">
+            <a:spAutoFit/>
+          </a:bodyPr>
+          <a:lstStyle/>
+          <a:p>
+            <a:r>
+              <a:rPr lang="en-US" dirty="0"/>
+              <a:t>Databases:</a:t>
+            </a:r>
+          </a:p>
+          <a:p>
+            <a:pPr marL="285750" indent="-285750">
+              <a:buFont typeface="Arial" panose="020B0604020202020204" pitchFamily="34" charset="0"/>
+              <a:buChar char="•"/>
+            </a:pPr>
+            <a:r>
+              <a:rPr lang="en-US" dirty="0"/>
+              <a:t>Session</a:t>
+            </a:r>
+          </a:p>
+          <a:p>
+            <a:pPr marL="285750" indent="-285750">
+              <a:buFont typeface="Arial" panose="020B0604020202020204" pitchFamily="34" charset="0"/>
+              <a:buChar char="•"/>
+            </a:pPr>
+            <a:r>
+              <a:rPr lang="en-US" dirty="0"/>
+              <a:t>Location</a:t>
+            </a:r>
+          </a:p>
+          <a:p>
+            <a:pPr marL="285750" indent="-285750">
+              <a:buFont typeface="Arial" panose="020B0604020202020204" pitchFamily="34" charset="0"/>
+              <a:buChar char="•"/>
+            </a:pPr>
+            <a:r>
+              <a:rPr lang="en-US" dirty="0"/>
+              <a:t>Drone</a:t>
+            </a:r>
+          </a:p>
+          <a:p>
+            <a:pPr marL="285750" indent="-285750">
+              <a:buFont typeface="Arial" panose="020B0604020202020204" pitchFamily="34" charset="0"/>
+              <a:buChar char="•"/>
+            </a:pPr>
+            <a:r>
+              <a:rPr lang="en-US" dirty="0"/>
+              <a:t>Coordinates</a:t>
+            </a:r>
+          </a:p>
+        </p:txBody>
+      </p:sp>
+      <p:sp>
+        <p:nvSpPr>
+          <p:cNvPr id="7" name="TextBox 6"/>
+          <p:cNvSpPr txBox="1"/>
+          <p:nvPr/>
+        </p:nvSpPr>
+        <p:spPr>
+          <a:xfrm>
+            <a:off x="6139543" y="746449"/>
+            <a:ext cx="2528596" cy="646331"/>
+          </a:xfrm>
+          <a:prstGeom prst="rect">
+            <a:avLst/>
+          </a:prstGeom>
+          <a:noFill/>
+        </p:spPr>
+        <p:txBody>
+          <a:bodyPr wrap="square" rtlCol="0">
+            <a:spAutoFit/>
+          </a:bodyPr>
+          <a:lstStyle/>
+          <a:p>
+            <a:r>
+              <a:rPr lang="en-US" dirty="0"/>
+              <a:t>Actions:</a:t>
+            </a:r>
+          </a:p>
+          <a:p>
+            <a:pPr marL="285750" indent="-285750">
+              <a:buFont typeface="Arial" panose="020B0604020202020204" pitchFamily="34" charset="0"/>
+              <a:buChar char="•"/>
+            </a:pPr>
+            <a:r>
+              <a:rPr lang="en-US" dirty="0"/>
+              <a:t>Check if in range</a:t>
+            </a:r>
+          </a:p>
+        </p:txBody>
+      </p:sp>
     </p:spTree>
     <p:extLst>
       <p:ext uri="{BB962C8B-B14F-4D97-AF65-F5344CB8AC3E}">
@@ -5740,10 +5967,9 @@
           <a:lstStyle/>
           <a:p>
             <a:r>
-              <a:rPr lang="en-US" dirty="0" smtClean="0"/>
+              <a:rPr lang="en-US" dirty="0"/>
               <a:t>TACO</a:t>
             </a:r>
-            <a:endParaRPr lang="en-US" dirty="0"/>
           </a:p>
         </p:txBody>
       </p:sp>
@@ -5770,10 +5996,9 @@
           <a:lstStyle/>
           <a:p>
             <a:r>
-              <a:rPr lang="en-US" dirty="0" smtClean="0"/>
+              <a:rPr lang="en-US" dirty="0"/>
               <a:t>DRONE</a:t>
             </a:r>
-            <a:endParaRPr lang="en-US" dirty="0"/>
           </a:p>
         </p:txBody>
       </p:sp>
@@ -5880,7 +6105,7 @@
           <a:p>
             <a:pPr algn="ctr"/>
             <a:r>
-              <a:rPr lang="en-US" sz="700" dirty="0" smtClean="0"/>
+              <a:rPr lang="en-US" sz="700" dirty="0"/>
               <a:t>ORDER</a:t>
             </a:r>
             <a:endParaRPr lang="en-US" sz="1600" dirty="0"/>
@@ -5931,7 +6156,7 @@
           <a:p>
             <a:pPr algn="ctr"/>
             <a:r>
-              <a:rPr lang="en-US" sz="700" dirty="0" smtClean="0"/>
+              <a:rPr lang="en-US" sz="700" dirty="0"/>
               <a:t>ORDER</a:t>
             </a:r>
             <a:endParaRPr lang="en-US" sz="1600" dirty="0"/>
@@ -5961,7 +6186,7 @@
           <a:lstStyle/>
           <a:p>
             <a:r>
-              <a:rPr lang="en-US" sz="1200" dirty="0" smtClean="0">
+              <a:rPr lang="en-US" sz="1200" dirty="0">
                 <a:solidFill>
                   <a:schemeClr val="tx1">
                     <a:lumMod val="50000"/>
@@ -5971,14 +6196,6 @@
               </a:rPr>
               <a:t>ETA:</a:t>
             </a:r>
-            <a:endParaRPr lang="en-US" sz="1200" dirty="0">
-              <a:solidFill>
-                <a:schemeClr val="tx1">
-                  <a:lumMod val="50000"/>
-                  <a:lumOff val="50000"/>
-                </a:schemeClr>
-              </a:solidFill>
-            </a:endParaRPr>
           </a:p>
         </p:txBody>
       </p:sp>
@@ -6005,7 +6222,7 @@
           <a:lstStyle/>
           <a:p>
             <a:r>
-              <a:rPr lang="en-US" dirty="0" smtClean="0">
+              <a:rPr lang="en-US" dirty="0">
                 <a:solidFill>
                   <a:schemeClr val="tx1">
                     <a:lumMod val="50000"/>
@@ -6016,13 +6233,13 @@
               <a:t> </a:t>
             </a:r>
             <a:r>
-              <a:rPr lang="en-US" dirty="0" smtClean="0"/>
+              <a:rPr lang="en-US" dirty="0"/>
               <a:t>5</a:t>
             </a:r>
           </a:p>
           <a:p>
             <a:r>
-              <a:rPr lang="en-US" sz="400" dirty="0" smtClean="0">
+              <a:rPr lang="en-US" sz="400" dirty="0">
                 <a:solidFill>
                   <a:schemeClr val="bg1"/>
                 </a:solidFill>
@@ -6068,7 +6285,7 @@
           <a:lstStyle/>
           <a:p>
             <a:r>
-              <a:rPr lang="en-US" sz="1000" dirty="0" err="1" smtClean="0">
+              <a:rPr lang="en-US" sz="1000" dirty="0" err="1">
                 <a:solidFill>
                   <a:schemeClr val="bg1">
                     <a:lumMod val="65000"/>
@@ -6104,7 +6321,7 @@
           <a:lstStyle/>
           <a:p>
             <a:r>
-              <a:rPr lang="en-US" sz="1200" dirty="0" smtClean="0">
+              <a:rPr lang="en-US" sz="1200" dirty="0">
                 <a:solidFill>
                   <a:schemeClr val="tx1">
                     <a:lumMod val="50000"/>
@@ -6114,14 +6331,6 @@
               </a:rPr>
               <a:t>Type:</a:t>
             </a:r>
-            <a:endParaRPr lang="en-US" sz="1200" dirty="0">
-              <a:solidFill>
-                <a:schemeClr val="tx1">
-                  <a:lumMod val="50000"/>
-                  <a:lumOff val="50000"/>
-                </a:schemeClr>
-              </a:solidFill>
-            </a:endParaRPr>
           </a:p>
         </p:txBody>
       </p:sp>
@@ -6148,10 +6357,9 @@
           <a:lstStyle/>
           <a:p>
             <a:r>
-              <a:rPr lang="en-US" sz="1200" dirty="0" smtClean="0"/>
+              <a:rPr lang="en-US" sz="1200" dirty="0"/>
               <a:t>Chicken</a:t>
             </a:r>
-            <a:endParaRPr lang="en-US" sz="1200" dirty="0"/>
           </a:p>
         </p:txBody>
       </p:sp>
@@ -6365,6 +6573,164 @@
           </a:prstGeom>
         </p:spPr>
       </p:pic>
+      <p:sp>
+        <p:nvSpPr>
+          <p:cNvPr id="35" name="TextBox 34"/>
+          <p:cNvSpPr txBox="1"/>
+          <p:nvPr/>
+        </p:nvSpPr>
+        <p:spPr>
+          <a:xfrm>
+            <a:off x="391886" y="824889"/>
+            <a:ext cx="2155371" cy="2031325"/>
+          </a:xfrm>
+          <a:prstGeom prst="rect">
+            <a:avLst/>
+          </a:prstGeom>
+          <a:noFill/>
+        </p:spPr>
+        <p:txBody>
+          <a:bodyPr wrap="square" rtlCol="0">
+            <a:spAutoFit/>
+          </a:bodyPr>
+          <a:lstStyle/>
+          <a:p>
+            <a:r>
+              <a:rPr lang="en-US" dirty="0"/>
+              <a:t>Databases:</a:t>
+            </a:r>
+          </a:p>
+          <a:p>
+            <a:pPr marL="285750" indent="-285750">
+              <a:buFont typeface="Arial" panose="020B0604020202020204" pitchFamily="34" charset="0"/>
+              <a:buChar char="•"/>
+            </a:pPr>
+            <a:r>
+              <a:rPr lang="en-US" dirty="0"/>
+              <a:t>Session</a:t>
+            </a:r>
+          </a:p>
+          <a:p>
+            <a:pPr marL="285750" indent="-285750">
+              <a:buFont typeface="Arial" panose="020B0604020202020204" pitchFamily="34" charset="0"/>
+              <a:buChar char="•"/>
+            </a:pPr>
+            <a:r>
+              <a:rPr lang="en-US" dirty="0"/>
+              <a:t>Location</a:t>
+            </a:r>
+          </a:p>
+          <a:p>
+            <a:pPr marL="285750" indent="-285750">
+              <a:buFont typeface="Arial" panose="020B0604020202020204" pitchFamily="34" charset="0"/>
+              <a:buChar char="•"/>
+            </a:pPr>
+            <a:r>
+              <a:rPr lang="en-US" dirty="0"/>
+              <a:t>Drone</a:t>
+            </a:r>
+          </a:p>
+          <a:p>
+            <a:pPr marL="285750" indent="-285750">
+              <a:buFont typeface="Arial" panose="020B0604020202020204" pitchFamily="34" charset="0"/>
+              <a:buChar char="•"/>
+            </a:pPr>
+            <a:r>
+              <a:rPr lang="en-US" dirty="0"/>
+              <a:t>Coordinates</a:t>
+            </a:r>
+          </a:p>
+          <a:p>
+            <a:pPr marL="285750" indent="-285750">
+              <a:buFont typeface="Arial" panose="020B0604020202020204" pitchFamily="34" charset="0"/>
+              <a:buChar char="•"/>
+            </a:pPr>
+            <a:r>
+              <a:rPr lang="en-US" dirty="0"/>
+              <a:t>Taco</a:t>
+            </a:r>
+          </a:p>
+          <a:p>
+            <a:pPr marL="285750" indent="-285750">
+              <a:buFont typeface="Arial" panose="020B0604020202020204" pitchFamily="34" charset="0"/>
+              <a:buChar char="•"/>
+            </a:pPr>
+            <a:r>
+              <a:rPr lang="en-US" dirty="0"/>
+              <a:t>Taco request</a:t>
+            </a:r>
+          </a:p>
+        </p:txBody>
+      </p:sp>
+      <p:sp>
+        <p:nvSpPr>
+          <p:cNvPr id="36" name="TextBox 35"/>
+          <p:cNvSpPr txBox="1"/>
+          <p:nvPr/>
+        </p:nvSpPr>
+        <p:spPr>
+          <a:xfrm>
+            <a:off x="6139543" y="746449"/>
+            <a:ext cx="2528596" cy="1477328"/>
+          </a:xfrm>
+          <a:prstGeom prst="rect">
+            <a:avLst/>
+          </a:prstGeom>
+          <a:noFill/>
+        </p:spPr>
+        <p:txBody>
+          <a:bodyPr wrap="square" rtlCol="0">
+            <a:spAutoFit/>
+          </a:bodyPr>
+          <a:lstStyle/>
+          <a:p>
+            <a:r>
+              <a:rPr lang="en-US" dirty="0"/>
+              <a:t>Actions:</a:t>
+            </a:r>
+          </a:p>
+          <a:p>
+            <a:pPr marL="285750" indent="-285750">
+              <a:buFont typeface="Arial" panose="020B0604020202020204" pitchFamily="34" charset="0"/>
+              <a:buChar char="•"/>
+            </a:pPr>
+            <a:r>
+              <a:rPr lang="en-US" dirty="0"/>
+              <a:t>Check if in range</a:t>
+            </a:r>
+          </a:p>
+          <a:p>
+            <a:pPr marL="285750" indent="-285750">
+              <a:buFont typeface="Arial" panose="020B0604020202020204" pitchFamily="34" charset="0"/>
+              <a:buChar char="•"/>
+            </a:pPr>
+            <a:r>
+              <a:rPr lang="en-US" dirty="0"/>
+              <a:t>Order taco</a:t>
+            </a:r>
+          </a:p>
+          <a:p>
+            <a:pPr marL="285750" indent="-285750">
+              <a:buFont typeface="Arial" panose="020B0604020202020204" pitchFamily="34" charset="0"/>
+              <a:buChar char="•"/>
+            </a:pPr>
+            <a:r>
+              <a:rPr lang="en-US" dirty="0"/>
+              <a:t>Change taco type</a:t>
+            </a:r>
+          </a:p>
+          <a:p>
+            <a:pPr marL="285750" indent="-285750">
+              <a:buFont typeface="Arial" panose="020B0604020202020204" pitchFamily="34" charset="0"/>
+              <a:buChar char="•"/>
+            </a:pPr>
+            <a:r>
+              <a:rPr lang="en-US" dirty="0"/>
+              <a:t>Get delivery ETA</a:t>
+            </a:r>
+          </a:p>
+        </p:txBody>
+      </p:sp>
     </p:spTree>
     <p:extLst>
       <p:ext uri="{BB962C8B-B14F-4D97-AF65-F5344CB8AC3E}">
@@ -6687,10 +7053,9 @@
           <a:lstStyle/>
           <a:p>
             <a:r>
-              <a:rPr lang="en-US" dirty="0" smtClean="0"/>
+              <a:rPr lang="en-US" dirty="0"/>
               <a:t>TACO</a:t>
             </a:r>
-            <a:endParaRPr lang="en-US" dirty="0"/>
           </a:p>
         </p:txBody>
       </p:sp>
@@ -6717,10 +7082,9 @@
           <a:lstStyle/>
           <a:p>
             <a:r>
-              <a:rPr lang="en-US" dirty="0" smtClean="0"/>
+              <a:rPr lang="en-US" dirty="0"/>
               <a:t>DRONE</a:t>
             </a:r>
-            <a:endParaRPr lang="en-US" dirty="0"/>
           </a:p>
         </p:txBody>
       </p:sp>
@@ -6915,7 +7279,7 @@
           <a:lstStyle/>
           <a:p>
             <a:r>
-              <a:rPr lang="en-US" sz="1600" dirty="0" smtClean="0">
+              <a:rPr lang="en-US" sz="1600" dirty="0">
                 <a:solidFill>
                   <a:schemeClr val="tx1">
                     <a:lumMod val="50000"/>
@@ -6925,14 +7289,6 @@
               </a:rPr>
               <a:t>Type:</a:t>
             </a:r>
-            <a:endParaRPr lang="en-US" sz="1600" dirty="0">
-              <a:solidFill>
-                <a:schemeClr val="tx1">
-                  <a:lumMod val="50000"/>
-                  <a:lumOff val="50000"/>
-                </a:schemeClr>
-              </a:solidFill>
-            </a:endParaRPr>
           </a:p>
         </p:txBody>
       </p:sp>
@@ -6959,10 +7315,9 @@
           <a:lstStyle/>
           <a:p>
             <a:r>
-              <a:rPr lang="en-US" sz="1200" dirty="0" smtClean="0"/>
+              <a:rPr lang="en-US" sz="1200" dirty="0"/>
               <a:t>Chicken</a:t>
             </a:r>
-            <a:endParaRPr lang="en-US" sz="1200" dirty="0"/>
           </a:p>
         </p:txBody>
       </p:sp>
@@ -7013,10 +7368,9 @@
           <a:lstStyle/>
           <a:p>
             <a:r>
-              <a:rPr lang="en-US" sz="1200" dirty="0" smtClean="0"/>
+              <a:rPr lang="en-US" sz="1200" dirty="0"/>
               <a:t>Beef</a:t>
             </a:r>
-            <a:endParaRPr lang="en-US" sz="1200" dirty="0"/>
           </a:p>
         </p:txBody>
       </p:sp>
@@ -7043,10 +7397,9 @@
           <a:lstStyle/>
           <a:p>
             <a:r>
-              <a:rPr lang="en-US" sz="1200" dirty="0" smtClean="0"/>
+              <a:rPr lang="en-US" sz="1200" dirty="0"/>
               <a:t>Veggie</a:t>
             </a:r>
-            <a:endParaRPr lang="en-US" sz="1200" dirty="0"/>
           </a:p>
         </p:txBody>
       </p:sp>
@@ -7091,10 +7444,9 @@
           <a:p>
             <a:pPr algn="ctr"/>
             <a:r>
-              <a:rPr lang="en-US" sz="1200" dirty="0" smtClean="0"/>
+              <a:rPr lang="en-US" sz="1200" dirty="0"/>
               <a:t>CHANGE</a:t>
             </a:r>
-            <a:endParaRPr lang="en-US" sz="1200" dirty="0"/>
           </a:p>
         </p:txBody>
       </p:sp>
@@ -7139,10 +7491,9 @@
           <a:p>
             <a:pPr algn="ctr"/>
             <a:r>
-              <a:rPr lang="en-US" sz="1200" dirty="0" smtClean="0"/>
+              <a:rPr lang="en-US" sz="1200" dirty="0"/>
               <a:t>CANCEL</a:t>
             </a:r>
-            <a:endParaRPr lang="en-US" sz="1200" dirty="0"/>
           </a:p>
         </p:txBody>
       </p:sp>
@@ -7295,6 +7646,144 @@
           </a:prstGeom>
         </p:spPr>
       </p:pic>
+      <p:sp>
+        <p:nvSpPr>
+          <p:cNvPr id="25" name="TextBox 24"/>
+          <p:cNvSpPr txBox="1"/>
+          <p:nvPr/>
+        </p:nvSpPr>
+        <p:spPr>
+          <a:xfrm>
+            <a:off x="391886" y="824889"/>
+            <a:ext cx="2155371" cy="2031325"/>
+          </a:xfrm>
+          <a:prstGeom prst="rect">
+            <a:avLst/>
+          </a:prstGeom>
+          <a:noFill/>
+        </p:spPr>
+        <p:txBody>
+          <a:bodyPr wrap="square" rtlCol="0">
+            <a:spAutoFit/>
+          </a:bodyPr>
+          <a:lstStyle/>
+          <a:p>
+            <a:r>
+              <a:rPr lang="en-US" dirty="0"/>
+              <a:t>Databases:</a:t>
+            </a:r>
+          </a:p>
+          <a:p>
+            <a:pPr marL="285750" indent="-285750">
+              <a:buFont typeface="Arial" panose="020B0604020202020204" pitchFamily="34" charset="0"/>
+              <a:buChar char="•"/>
+            </a:pPr>
+            <a:r>
+              <a:rPr lang="en-US" dirty="0"/>
+              <a:t>Session</a:t>
+            </a:r>
+          </a:p>
+          <a:p>
+            <a:pPr marL="285750" indent="-285750">
+              <a:buFont typeface="Arial" panose="020B0604020202020204" pitchFamily="34" charset="0"/>
+              <a:buChar char="•"/>
+            </a:pPr>
+            <a:r>
+              <a:rPr lang="en-US" dirty="0"/>
+              <a:t>Location</a:t>
+            </a:r>
+          </a:p>
+          <a:p>
+            <a:pPr marL="285750" indent="-285750">
+              <a:buFont typeface="Arial" panose="020B0604020202020204" pitchFamily="34" charset="0"/>
+              <a:buChar char="•"/>
+            </a:pPr>
+            <a:r>
+              <a:rPr lang="en-US" dirty="0"/>
+              <a:t>Drone</a:t>
+            </a:r>
+          </a:p>
+          <a:p>
+            <a:pPr marL="285750" indent="-285750">
+              <a:buFont typeface="Arial" panose="020B0604020202020204" pitchFamily="34" charset="0"/>
+              <a:buChar char="•"/>
+            </a:pPr>
+            <a:r>
+              <a:rPr lang="en-US" dirty="0"/>
+              <a:t>Coordinates</a:t>
+            </a:r>
+          </a:p>
+          <a:p>
+            <a:pPr marL="285750" indent="-285750">
+              <a:buFont typeface="Arial" panose="020B0604020202020204" pitchFamily="34" charset="0"/>
+              <a:buChar char="•"/>
+            </a:pPr>
+            <a:r>
+              <a:rPr lang="en-US" dirty="0"/>
+              <a:t>Taco</a:t>
+            </a:r>
+          </a:p>
+          <a:p>
+            <a:pPr marL="285750" indent="-285750">
+              <a:buFont typeface="Arial" panose="020B0604020202020204" pitchFamily="34" charset="0"/>
+              <a:buChar char="•"/>
+            </a:pPr>
+            <a:r>
+              <a:rPr lang="en-US" dirty="0"/>
+              <a:t>Taco request</a:t>
+            </a:r>
+          </a:p>
+        </p:txBody>
+      </p:sp>
+      <p:sp>
+        <p:nvSpPr>
+          <p:cNvPr id="26" name="TextBox 25"/>
+          <p:cNvSpPr txBox="1"/>
+          <p:nvPr/>
+        </p:nvSpPr>
+        <p:spPr>
+          <a:xfrm>
+            <a:off x="6177137" y="881441"/>
+            <a:ext cx="2155371" cy="923330"/>
+          </a:xfrm>
+          <a:prstGeom prst="rect">
+            <a:avLst/>
+          </a:prstGeom>
+          <a:noFill/>
+        </p:spPr>
+        <p:txBody>
+          <a:bodyPr wrap="square" rtlCol="0">
+            <a:spAutoFit/>
+          </a:bodyPr>
+          <a:lstStyle/>
+          <a:p>
+            <a:r>
+              <a:rPr lang="en-US" dirty="0"/>
+              <a:t>Actions:</a:t>
+            </a:r>
+          </a:p>
+          <a:p>
+            <a:pPr marL="285750" indent="-285750">
+              <a:buFont typeface="Arial" panose="020B0604020202020204" pitchFamily="34" charset="0"/>
+              <a:buChar char="•"/>
+            </a:pPr>
+            <a:r>
+              <a:rPr lang="en-US" dirty="0"/>
+              <a:t>Change taco type</a:t>
+            </a:r>
+          </a:p>
+          <a:p>
+            <a:pPr marL="285750" indent="-285750">
+              <a:buFont typeface="Arial" panose="020B0604020202020204" pitchFamily="34" charset="0"/>
+              <a:buChar char="•"/>
+            </a:pPr>
+            <a:r>
+              <a:rPr lang="en-US" dirty="0"/>
+              <a:t>Cancel change?</a:t>
+            </a:r>
+          </a:p>
+        </p:txBody>
+      </p:sp>
     </p:spTree>
     <p:extLst>
       <p:ext uri="{BB962C8B-B14F-4D97-AF65-F5344CB8AC3E}">
@@ -7617,10 +8106,9 @@
           <a:lstStyle/>
           <a:p>
             <a:r>
-              <a:rPr lang="en-US" dirty="0" smtClean="0"/>
+              <a:rPr lang="en-US" dirty="0"/>
               <a:t>TACO</a:t>
             </a:r>
-            <a:endParaRPr lang="en-US" dirty="0"/>
           </a:p>
         </p:txBody>
       </p:sp>
@@ -7647,10 +8135,9 @@
           <a:lstStyle/>
           <a:p>
             <a:r>
-              <a:rPr lang="en-US" dirty="0" smtClean="0"/>
+              <a:rPr lang="en-US" dirty="0"/>
               <a:t>DRONE</a:t>
             </a:r>
-            <a:endParaRPr lang="en-US" dirty="0"/>
           </a:p>
         </p:txBody>
       </p:sp>
@@ -7799,7 +8286,7 @@
             <a:lstStyle/>
             <a:p>
               <a:r>
-                <a:rPr lang="en-US" sz="3200" dirty="0" smtClean="0">
+                <a:rPr lang="en-US" sz="3200" dirty="0">
                   <a:solidFill>
                     <a:schemeClr val="tx1">
                       <a:lumMod val="50000"/>
@@ -7810,13 +8297,13 @@
                 <a:t> </a:t>
               </a:r>
               <a:r>
-                <a:rPr lang="en-US" sz="3200" dirty="0" smtClean="0"/>
+                <a:rPr lang="en-US" sz="3200" dirty="0"/>
                 <a:t>4</a:t>
               </a:r>
             </a:p>
             <a:p>
               <a:r>
-                <a:rPr lang="en-US" sz="400" dirty="0" smtClean="0">
+                <a:rPr lang="en-US" sz="400" dirty="0">
                   <a:solidFill>
                     <a:schemeClr val="bg1"/>
                   </a:solidFill>
@@ -7862,7 +8349,7 @@
             <a:lstStyle/>
             <a:p>
               <a:r>
-                <a:rPr lang="en-US" sz="1000" dirty="0" err="1" smtClean="0">
+                <a:rPr lang="en-US" sz="1000" dirty="0" err="1">
                   <a:solidFill>
                     <a:schemeClr val="bg1">
                       <a:lumMod val="65000"/>
@@ -8086,6 +8573,134 @@
           </a:prstGeom>
         </p:spPr>
       </p:pic>
+      <p:sp>
+        <p:nvSpPr>
+          <p:cNvPr id="23" name="TextBox 22"/>
+          <p:cNvSpPr txBox="1"/>
+          <p:nvPr/>
+        </p:nvSpPr>
+        <p:spPr>
+          <a:xfrm>
+            <a:off x="391886" y="824889"/>
+            <a:ext cx="2155371" cy="1754326"/>
+          </a:xfrm>
+          <a:prstGeom prst="rect">
+            <a:avLst/>
+          </a:prstGeom>
+          <a:noFill/>
+        </p:spPr>
+        <p:txBody>
+          <a:bodyPr wrap="square" rtlCol="0">
+            <a:spAutoFit/>
+          </a:bodyPr>
+          <a:lstStyle/>
+          <a:p>
+            <a:r>
+              <a:rPr lang="en-US" dirty="0"/>
+              <a:t>Databases:</a:t>
+            </a:r>
+          </a:p>
+          <a:p>
+            <a:pPr marL="285750" indent="-285750">
+              <a:buFont typeface="Arial" panose="020B0604020202020204" pitchFamily="34" charset="0"/>
+              <a:buChar char="•"/>
+            </a:pPr>
+            <a:r>
+              <a:rPr lang="en-US" dirty="0"/>
+              <a:t>Session</a:t>
+            </a:r>
+          </a:p>
+          <a:p>
+            <a:pPr marL="285750" indent="-285750">
+              <a:buFont typeface="Arial" panose="020B0604020202020204" pitchFamily="34" charset="0"/>
+              <a:buChar char="•"/>
+            </a:pPr>
+            <a:r>
+              <a:rPr lang="en-US" dirty="0"/>
+              <a:t>Location</a:t>
+            </a:r>
+          </a:p>
+          <a:p>
+            <a:pPr marL="285750" indent="-285750">
+              <a:buFont typeface="Arial" panose="020B0604020202020204" pitchFamily="34" charset="0"/>
+              <a:buChar char="•"/>
+            </a:pPr>
+            <a:r>
+              <a:rPr lang="en-US" dirty="0"/>
+              <a:t>Drone</a:t>
+            </a:r>
+          </a:p>
+          <a:p>
+            <a:pPr marL="285750" indent="-285750">
+              <a:buFont typeface="Arial" panose="020B0604020202020204" pitchFamily="34" charset="0"/>
+              <a:buChar char="•"/>
+            </a:pPr>
+            <a:r>
+              <a:rPr lang="en-US" dirty="0"/>
+              <a:t>Coordinates</a:t>
+            </a:r>
+          </a:p>
+          <a:p>
+            <a:pPr marL="285750" indent="-285750">
+              <a:buFont typeface="Arial" panose="020B0604020202020204" pitchFamily="34" charset="0"/>
+              <a:buChar char="•"/>
+            </a:pPr>
+            <a:r>
+              <a:rPr lang="en-US" dirty="0"/>
+              <a:t>Taco request</a:t>
+            </a:r>
+          </a:p>
+        </p:txBody>
+      </p:sp>
+      <p:sp>
+        <p:nvSpPr>
+          <p:cNvPr id="24" name="TextBox 23"/>
+          <p:cNvSpPr txBox="1"/>
+          <p:nvPr/>
+        </p:nvSpPr>
+        <p:spPr>
+          <a:xfrm>
+            <a:off x="6318378" y="824889"/>
+            <a:ext cx="2155371" cy="1200329"/>
+          </a:xfrm>
+          <a:prstGeom prst="rect">
+            <a:avLst/>
+          </a:prstGeom>
+          <a:noFill/>
+        </p:spPr>
+        <p:txBody>
+          <a:bodyPr wrap="square" rtlCol="0">
+            <a:spAutoFit/>
+          </a:bodyPr>
+          <a:lstStyle/>
+          <a:p>
+            <a:r>
+              <a:rPr lang="en-US" dirty="0"/>
+              <a:t>Actions:</a:t>
+            </a:r>
+          </a:p>
+          <a:p>
+            <a:pPr marL="285750" indent="-285750">
+              <a:buFont typeface="Arial" panose="020B0604020202020204" pitchFamily="34" charset="0"/>
+              <a:buChar char="•"/>
+            </a:pPr>
+            <a:r>
+              <a:rPr lang="en-US" dirty="0"/>
+              <a:t>Display drone position</a:t>
+            </a:r>
+          </a:p>
+          <a:p>
+            <a:pPr marL="285750" indent="-285750">
+              <a:buFont typeface="Arial" panose="020B0604020202020204" pitchFamily="34" charset="0"/>
+              <a:buChar char="•"/>
+            </a:pPr>
+            <a:r>
+              <a:rPr lang="en-US" dirty="0"/>
+              <a:t>Get ETD</a:t>
+            </a:r>
+          </a:p>
+        </p:txBody>
+      </p:sp>
     </p:spTree>
     <p:extLst>
       <p:ext uri="{BB962C8B-B14F-4D97-AF65-F5344CB8AC3E}">
@@ -8444,10 +9059,9 @@
           <a:lstStyle/>
           <a:p>
             <a:r>
-              <a:rPr lang="en-US" dirty="0" smtClean="0"/>
+              <a:rPr lang="en-US" dirty="0"/>
               <a:t>DRONE</a:t>
             </a:r>
-            <a:endParaRPr lang="en-US" dirty="0"/>
           </a:p>
         </p:txBody>
       </p:sp>
@@ -8474,10 +9088,9 @@
           <a:lstStyle/>
           <a:p>
             <a:r>
-              <a:rPr lang="en-US" dirty="0" smtClean="0"/>
+              <a:rPr lang="en-US" dirty="0"/>
               <a:t>TACO</a:t>
             </a:r>
-            <a:endParaRPr lang="en-US" dirty="0"/>
           </a:p>
         </p:txBody>
       </p:sp>
@@ -8750,10 +9363,9 @@
           <a:lstStyle/>
           <a:p>
             <a:r>
-              <a:rPr lang="en-US" dirty="0" smtClean="0"/>
+              <a:rPr lang="en-US" dirty="0"/>
               <a:t>Delivered</a:t>
             </a:r>
-            <a:endParaRPr lang="en-US" dirty="0"/>
           </a:p>
         </p:txBody>
       </p:sp>
@@ -8780,10 +9392,9 @@
           <a:lstStyle/>
           <a:p>
             <a:r>
-              <a:rPr lang="en-US" sz="1100" dirty="0" smtClean="0"/>
+              <a:rPr lang="en-US" sz="1100" dirty="0"/>
               <a:t>Your taco has been delivered. </a:t>
             </a:r>
-            <a:endParaRPr lang="en-US" sz="1100" dirty="0"/>
           </a:p>
         </p:txBody>
       </p:sp>
@@ -8829,10 +9440,9 @@
           <a:p>
             <a:pPr algn="ctr"/>
             <a:r>
-              <a:rPr lang="en-US" sz="1200" dirty="0" smtClean="0"/>
+              <a:rPr lang="en-US" sz="1200" dirty="0"/>
               <a:t>Close</a:t>
             </a:r>
-            <a:endParaRPr lang="en-US" sz="1200" dirty="0"/>
           </a:p>
         </p:txBody>
       </p:sp>
@@ -8899,6 +9509,114 @@
           </a:prstGeom>
         </p:spPr>
       </p:pic>
+      <p:sp>
+        <p:nvSpPr>
+          <p:cNvPr id="24" name="TextBox 23"/>
+          <p:cNvSpPr txBox="1"/>
+          <p:nvPr/>
+        </p:nvSpPr>
+        <p:spPr>
+          <a:xfrm>
+            <a:off x="391886" y="824889"/>
+            <a:ext cx="2155371" cy="1200329"/>
+          </a:xfrm>
+          <a:prstGeom prst="rect">
+            <a:avLst/>
+          </a:prstGeom>
+          <a:noFill/>
+        </p:spPr>
+        <p:txBody>
+          <a:bodyPr wrap="square" rtlCol="0">
+            <a:spAutoFit/>
+          </a:bodyPr>
+          <a:lstStyle/>
+          <a:p>
+            <a:r>
+              <a:rPr lang="en-US" dirty="0"/>
+              <a:t>Databases:</a:t>
+            </a:r>
+          </a:p>
+          <a:p>
+            <a:pPr marL="285750" indent="-285750">
+              <a:buFont typeface="Arial" panose="020B0604020202020204" pitchFamily="34" charset="0"/>
+              <a:buChar char="•"/>
+            </a:pPr>
+            <a:r>
+              <a:rPr lang="en-US" dirty="0"/>
+              <a:t>Session</a:t>
+            </a:r>
+          </a:p>
+          <a:p>
+            <a:pPr marL="285750" indent="-285750">
+              <a:buFont typeface="Arial" panose="020B0604020202020204" pitchFamily="34" charset="0"/>
+              <a:buChar char="•"/>
+            </a:pPr>
+            <a:r>
+              <a:rPr lang="en-US" dirty="0"/>
+              <a:t>Drone</a:t>
+            </a:r>
+          </a:p>
+          <a:p>
+            <a:pPr marL="285750" indent="-285750">
+              <a:buFont typeface="Arial" panose="020B0604020202020204" pitchFamily="34" charset="0"/>
+              <a:buChar char="•"/>
+            </a:pPr>
+            <a:r>
+              <a:rPr lang="en-US" dirty="0"/>
+              <a:t>Fulfilled request</a:t>
+            </a:r>
+          </a:p>
+        </p:txBody>
+      </p:sp>
+      <p:sp>
+        <p:nvSpPr>
+          <p:cNvPr id="25" name="TextBox 24"/>
+          <p:cNvSpPr txBox="1"/>
+          <p:nvPr/>
+        </p:nvSpPr>
+        <p:spPr>
+          <a:xfrm>
+            <a:off x="6177137" y="883640"/>
+            <a:ext cx="2155371" cy="1477328"/>
+          </a:xfrm>
+          <a:prstGeom prst="rect">
+            <a:avLst/>
+          </a:prstGeom>
+          <a:noFill/>
+        </p:spPr>
+        <p:txBody>
+          <a:bodyPr wrap="square" rtlCol="0">
+            <a:spAutoFit/>
+          </a:bodyPr>
+          <a:lstStyle/>
+          <a:p>
+            <a:r>
+              <a:rPr lang="en-US" dirty="0"/>
+              <a:t>Actions:</a:t>
+            </a:r>
+          </a:p>
+          <a:p>
+            <a:pPr marL="285750" indent="-285750">
+              <a:buFont typeface="Arial" panose="020B0604020202020204" pitchFamily="34" charset="0"/>
+              <a:buChar char="•"/>
+            </a:pPr>
+            <a:r>
+              <a:rPr lang="en-US" dirty="0"/>
+              <a:t>Close window</a:t>
+            </a:r>
+          </a:p>
+          <a:p>
+            <a:pPr marL="285750" indent="-285750">
+              <a:buFont typeface="Arial" panose="020B0604020202020204" pitchFamily="34" charset="0"/>
+              <a:buChar char="•"/>
+            </a:pPr>
+            <a:r>
+              <a:rPr lang="en-US" dirty="0"/>
+              <a:t>End session and make it a fulfilled request</a:t>
+            </a:r>
+          </a:p>
+        </p:txBody>
+      </p:sp>
     </p:spTree>
     <p:extLst>
       <p:ext uri="{BB962C8B-B14F-4D97-AF65-F5344CB8AC3E}">
@@ -9221,10 +9939,9 @@
           <a:lstStyle/>
           <a:p>
             <a:r>
-              <a:rPr lang="en-US" dirty="0" smtClean="0"/>
+              <a:rPr lang="en-US" dirty="0"/>
               <a:t>TACO</a:t>
             </a:r>
-            <a:endParaRPr lang="en-US" dirty="0"/>
           </a:p>
         </p:txBody>
       </p:sp>
@@ -9251,10 +9968,9 @@
           <a:lstStyle/>
           <a:p>
             <a:r>
-              <a:rPr lang="en-US" dirty="0" smtClean="0"/>
+              <a:rPr lang="en-US" dirty="0"/>
               <a:t>DRONE</a:t>
             </a:r>
-            <a:endParaRPr lang="en-US" dirty="0"/>
           </a:p>
         </p:txBody>
       </p:sp>
@@ -9474,10 +10190,9 @@
           <a:p>
             <a:pPr algn="ctr"/>
             <a:r>
-              <a:rPr lang="en-US" sz="2400" dirty="0" smtClean="0"/>
+              <a:rPr lang="en-US" sz="2400" dirty="0"/>
               <a:t>Thank You</a:t>
             </a:r>
-            <a:endParaRPr lang="en-US" sz="2400" dirty="0"/>
           </a:p>
         </p:txBody>
       </p:sp>
@@ -9527,10 +10242,9 @@
           <a:lstStyle/>
           <a:p>
             <a:r>
-              <a:rPr lang="en-US" sz="1050" dirty="0" smtClean="0"/>
+              <a:rPr lang="en-US" sz="1050" dirty="0"/>
               <a:t>This delivery has been made possible by:</a:t>
             </a:r>
-            <a:endParaRPr lang="en-US" sz="1050" dirty="0"/>
           </a:p>
         </p:txBody>
       </p:sp>
@@ -9690,10 +10404,9 @@
           <a:lstStyle/>
           <a:p>
             <a:r>
-              <a:rPr lang="en-US" dirty="0" smtClean="0"/>
+              <a:rPr lang="en-US" dirty="0"/>
               <a:t>YOUR</a:t>
             </a:r>
-            <a:endParaRPr lang="en-US" dirty="0"/>
           </a:p>
         </p:txBody>
       </p:sp>
@@ -9720,10 +10433,9 @@
           <a:lstStyle/>
           <a:p>
             <a:r>
-              <a:rPr lang="en-US" dirty="0" smtClean="0"/>
+              <a:rPr lang="en-US" dirty="0"/>
               <a:t>COM-        -PANY</a:t>
             </a:r>
-            <a:endParaRPr lang="en-US" dirty="0"/>
           </a:p>
         </p:txBody>
       </p:sp>
@@ -9750,10 +10462,9 @@
           <a:lstStyle/>
           <a:p>
             <a:r>
-              <a:rPr lang="en-US" dirty="0" smtClean="0"/>
+              <a:rPr lang="en-US" dirty="0"/>
               <a:t>HERE</a:t>
             </a:r>
-            <a:endParaRPr lang="en-US" dirty="0"/>
           </a:p>
         </p:txBody>
       </p:sp>
@@ -9781,6 +10492,84 @@
           </a:prstGeom>
         </p:spPr>
       </p:pic>
+      <p:sp>
+        <p:nvSpPr>
+          <p:cNvPr id="25" name="TextBox 24"/>
+          <p:cNvSpPr txBox="1"/>
+          <p:nvPr/>
+        </p:nvSpPr>
+        <p:spPr>
+          <a:xfrm>
+            <a:off x="391886" y="824889"/>
+            <a:ext cx="2155371" cy="646331"/>
+          </a:xfrm>
+          <a:prstGeom prst="rect">
+            <a:avLst/>
+          </a:prstGeom>
+          <a:noFill/>
+        </p:spPr>
+        <p:txBody>
+          <a:bodyPr wrap="square" rtlCol="0">
+            <a:spAutoFit/>
+          </a:bodyPr>
+          <a:lstStyle/>
+          <a:p>
+            <a:r>
+              <a:rPr lang="en-US" dirty="0"/>
+              <a:t>Databases:</a:t>
+            </a:r>
+          </a:p>
+          <a:p>
+            <a:pPr marL="285750" indent="-285750">
+              <a:buFont typeface="Arial" panose="020B0604020202020204" pitchFamily="34" charset="0"/>
+              <a:buChar char="•"/>
+            </a:pPr>
+            <a:r>
+              <a:rPr lang="en-US" dirty="0"/>
+              <a:t>?</a:t>
+            </a:r>
+          </a:p>
+        </p:txBody>
+      </p:sp>
+      <p:sp>
+        <p:nvSpPr>
+          <p:cNvPr id="26" name="TextBox 25"/>
+          <p:cNvSpPr txBox="1"/>
+          <p:nvPr/>
+        </p:nvSpPr>
+        <p:spPr>
+          <a:xfrm>
+            <a:off x="6177137" y="732556"/>
+            <a:ext cx="2155371" cy="646331"/>
+          </a:xfrm>
+          <a:prstGeom prst="rect">
+            <a:avLst/>
+          </a:prstGeom>
+          <a:noFill/>
+        </p:spPr>
+        <p:txBody>
+          <a:bodyPr wrap="square" rtlCol="0">
+            <a:spAutoFit/>
+          </a:bodyPr>
+          <a:lstStyle/>
+          <a:p>
+            <a:r>
+              <a:rPr lang="en-US" dirty="0"/>
+              <a:t>Actions</a:t>
+            </a:r>
+          </a:p>
+          <a:p>
+            <a:pPr marL="285750" indent="-285750">
+              <a:buFont typeface="Arial" panose="020B0604020202020204" pitchFamily="34" charset="0"/>
+              <a:buChar char="•"/>
+            </a:pPr>
+            <a:r>
+              <a:rPr lang="en-US" dirty="0"/>
+              <a:t>Display message?</a:t>
+            </a:r>
+          </a:p>
+        </p:txBody>
+      </p:sp>
     </p:spTree>
     <p:extLst>
       <p:ext uri="{BB962C8B-B14F-4D97-AF65-F5344CB8AC3E}">
@@ -10109,6 +10898,19 @@
         </a:fontRef>
       </a:style>
     </a:lnDef>
+    <a:txDef>
+      <a:spPr>
+        <a:noFill/>
+      </a:spPr>
+      <a:bodyPr wrap="square" rtlCol="0">
+        <a:spAutoFit/>
+      </a:bodyPr>
+      <a:lstStyle>
+        <a:defPPr>
+          <a:defRPr dirty="0" smtClean="0"/>
+        </a:defPPr>
+      </a:lstStyle>
+    </a:txDef>
   </a:objectDefaults>
   <a:extraClrSchemeLst/>
 </a:theme>
